--- a/PPT/PART 11.pptx
+++ b/PPT/PART 11.pptx
@@ -263,7 +263,7 @@
           <a:p>
             <a:fld id="{48A87A34-81AB-432B-8DAE-1953F412C126}" type="datetimeFigureOut">
               <a:rPr lang="en-US" dirty="0"/>
-              <a:t>3/26/2021</a:t>
+              <a:t>4/11/2021</a:t>
             </a:fld>
             <a:endParaRPr lang="en-US" dirty="0"/>
           </a:p>
@@ -469,7 +469,7 @@
           <a:p>
             <a:fld id="{48A87A34-81AB-432B-8DAE-1953F412C126}" type="datetimeFigureOut">
               <a:rPr lang="en-US" dirty="0"/>
-              <a:t>3/26/2021</a:t>
+              <a:t>4/11/2021</a:t>
             </a:fld>
             <a:endParaRPr lang="en-US" dirty="0"/>
           </a:p>
@@ -679,7 +679,7 @@
           <a:p>
             <a:fld id="{48A87A34-81AB-432B-8DAE-1953F412C126}" type="datetimeFigureOut">
               <a:rPr lang="en-US" dirty="0"/>
-              <a:t>3/26/2021</a:t>
+              <a:t>4/11/2021</a:t>
             </a:fld>
             <a:endParaRPr lang="en-US" dirty="0"/>
           </a:p>
@@ -875,7 +875,7 @@
           <a:p>
             <a:fld id="{48A87A34-81AB-432B-8DAE-1953F412C126}" type="datetimeFigureOut">
               <a:rPr lang="en-US" dirty="0"/>
-              <a:t>3/26/2021</a:t>
+              <a:t>4/11/2021</a:t>
             </a:fld>
             <a:endParaRPr lang="en-US" dirty="0"/>
           </a:p>
@@ -1149,7 +1149,7 @@
           <a:p>
             <a:fld id="{48A87A34-81AB-432B-8DAE-1953F412C126}" type="datetimeFigureOut">
               <a:rPr lang="en-US" dirty="0"/>
-              <a:t>3/26/2021</a:t>
+              <a:t>4/11/2021</a:t>
             </a:fld>
             <a:endParaRPr lang="en-US" dirty="0"/>
           </a:p>
@@ -1412,7 +1412,7 @@
           <a:p>
             <a:fld id="{48A87A34-81AB-432B-8DAE-1953F412C126}" type="datetimeFigureOut">
               <a:rPr lang="en-US" dirty="0"/>
-              <a:t>3/26/2021</a:t>
+              <a:t>4/11/2021</a:t>
             </a:fld>
             <a:endParaRPr lang="en-US" dirty="0"/>
           </a:p>
@@ -1823,7 +1823,7 @@
           <a:p>
             <a:fld id="{48A87A34-81AB-432B-8DAE-1953F412C126}" type="datetimeFigureOut">
               <a:rPr lang="en-US" dirty="0"/>
-              <a:t>3/26/2021</a:t>
+              <a:t>4/11/2021</a:t>
             </a:fld>
             <a:endParaRPr lang="en-US" dirty="0"/>
           </a:p>
@@ -1967,7 +1967,7 @@
           <a:p>
             <a:fld id="{48A87A34-81AB-432B-8DAE-1953F412C126}" type="datetimeFigureOut">
               <a:rPr lang="en-US" dirty="0"/>
-              <a:t>3/26/2021</a:t>
+              <a:t>4/11/2021</a:t>
             </a:fld>
             <a:endParaRPr lang="en-US" dirty="0"/>
           </a:p>
@@ -2088,7 +2088,7 @@
           <a:p>
             <a:fld id="{48A87A34-81AB-432B-8DAE-1953F412C126}" type="datetimeFigureOut">
               <a:rPr lang="en-US" dirty="0"/>
-              <a:t>3/26/2021</a:t>
+              <a:t>4/11/2021</a:t>
             </a:fld>
             <a:endParaRPr lang="en-US" dirty="0"/>
           </a:p>
@@ -2334,7 +2334,7 @@
           <a:p>
             <a:fld id="{48A87A34-81AB-432B-8DAE-1953F412C126}" type="datetimeFigureOut">
               <a:rPr lang="en-US" dirty="0"/>
-              <a:t>3/26/2021</a:t>
+              <a:t>4/11/2021</a:t>
             </a:fld>
             <a:endParaRPr lang="en-US" dirty="0"/>
           </a:p>
@@ -2775,7 +2775,7 @@
             <a:fld id="{48A87A34-81AB-432B-8DAE-1953F412C126}" type="datetimeFigureOut">
               <a:rPr lang="en-US" dirty="0"/>
               <a:pPr/>
-              <a:t>3/26/2021</a:t>
+              <a:t>4/11/2021</a:t>
             </a:fld>
             <a:endParaRPr lang="en-US" dirty="0"/>
           </a:p>
@@ -3098,7 +3098,7 @@
             <a:fld id="{48A87A34-81AB-432B-8DAE-1953F412C126}" type="datetimeFigureOut">
               <a:rPr lang="en-US" dirty="0"/>
               <a:pPr/>
-              <a:t>3/26/2021</a:t>
+              <a:t>4/11/2021</a:t>
             </a:fld>
             <a:endParaRPr lang="en-US" dirty="0"/>
           </a:p>
